--- a/Reports/AAVAIL_EDA_Report.pptx
+++ b/Reports/AAVAIL_EDA_Report.pptx
@@ -9,7 +9,6 @@
     <p:sldId id="351" r:id="rId3"/>
     <p:sldId id="352" r:id="rId4"/>
     <p:sldId id="353" r:id="rId5"/>
-    <p:sldId id="354" r:id="rId6"/>
   </p:sldIdLst>
   <p:sldSz cx="12192000" cy="6858000"/>
   <p:notesSz cx="6858000" cy="9144000"/>
@@ -381,7 +380,7 @@
           <a:p>
             <a:fld id="{9184DA70-C731-4C70-880D-CCD4705E623C}" type="datetime1">
               <a:rPr lang="en-US" noProof="0" smtClean="0"/>
-              <a:t>12/28/2020</a:t>
+              <a:t>12/31/2020</a:t>
             </a:fld>
             <a:endParaRPr lang="en-US" noProof="0" dirty="0"/>
           </a:p>
@@ -502,7 +501,7 @@
           <a:p>
             <a:fld id="{39667345-2558-425A-8533-9BFDBCE15005}" type="datetime1">
               <a:rPr lang="en-US" noProof="0" smtClean="0"/>
-              <a:t>12/28/2020</a:t>
+              <a:t>12/31/2020</a:t>
             </a:fld>
             <a:endParaRPr lang="en-US" noProof="0" dirty="0"/>
           </a:p>
@@ -890,7 +889,7 @@
           <a:p>
             <a:fld id="{39667345-2558-425A-8533-9BFDBCE15005}" type="datetime1">
               <a:rPr lang="en-US" noProof="0" smtClean="0"/>
-              <a:t>12/28/2020</a:t>
+              <a:t>12/31/2020</a:t>
             </a:fld>
             <a:endParaRPr lang="en-US" noProof="0" dirty="0"/>
           </a:p>
@@ -1725,7 +1724,7 @@
           <a:p>
             <a:fld id="{4907D986-8816-4272-A432-0437A28A9828}" type="datetime1">
               <a:rPr lang="en-US" noProof="0" smtClean="0"/>
-              <a:t>12/28/2020</a:t>
+              <a:t>12/31/2020</a:t>
             </a:fld>
             <a:endParaRPr lang="en-US" noProof="0" dirty="0"/>
           </a:p>
@@ -2057,7 +2056,7 @@
           <a:p>
             <a:fld id="{9184DA70-C731-4C70-880D-CCD4705E623C}" type="datetime1">
               <a:rPr lang="en-US" noProof="0" smtClean="0"/>
-              <a:t>12/28/2020</a:t>
+              <a:t>12/31/2020</a:t>
             </a:fld>
             <a:endParaRPr lang="en-US" noProof="0" dirty="0"/>
           </a:p>
@@ -2365,7 +2364,7 @@
           <a:p>
             <a:fld id="{4BE1D723-8F53-4F53-90B0-1982A396982E}" type="datetime1">
               <a:rPr lang="en-US" noProof="0" smtClean="0"/>
-              <a:t>12/28/2020</a:t>
+              <a:t>12/31/2020</a:t>
             </a:fld>
             <a:endParaRPr lang="en-US" noProof="0" dirty="0"/>
           </a:p>
@@ -2958,7 +2957,7 @@
           <a:p>
             <a:fld id="{D9DF0F1C-5577-4ACB-BB62-DF8F3C494C7E}" type="datetime1">
               <a:rPr lang="en-US" noProof="0" smtClean="0"/>
-              <a:t>12/28/2020</a:t>
+              <a:t>12/31/2020</a:t>
             </a:fld>
             <a:endParaRPr lang="en-US" noProof="0" dirty="0"/>
           </a:p>
@@ -3221,7 +3220,7 @@
           <a:p>
             <a:fld id="{1775B394-D9F9-4F0C-B15D-605F45CB9E9F}" type="datetime1">
               <a:rPr lang="en-US" noProof="0" smtClean="0"/>
-              <a:t>12/28/2020</a:t>
+              <a:t>12/31/2020</a:t>
             </a:fld>
             <a:endParaRPr lang="en-US" noProof="0" dirty="0"/>
           </a:p>
@@ -3484,7 +3483,7 @@
           <a:p>
             <a:fld id="{1775B394-D9F9-4F0C-B15D-605F45CB9E9F}" type="datetime1">
               <a:rPr lang="en-US" noProof="0" smtClean="0"/>
-              <a:t>12/28/2020</a:t>
+              <a:t>12/31/2020</a:t>
             </a:fld>
             <a:endParaRPr lang="en-US" noProof="0" dirty="0"/>
           </a:p>
@@ -4001,7 +4000,7 @@
           <a:p>
             <a:fld id="{39667345-2558-425A-8533-9BFDBCE15005}" type="datetime1">
               <a:rPr lang="en-US" noProof="0" smtClean="0"/>
-              <a:t>12/28/2020</a:t>
+              <a:t>12/31/2020</a:t>
             </a:fld>
             <a:endParaRPr lang="en-US" noProof="0" dirty="0"/>
           </a:p>
@@ -4122,7 +4121,7 @@
           <a:p>
             <a:fld id="{39667345-2558-425A-8533-9BFDBCE15005}" type="datetime1">
               <a:rPr lang="en-US" noProof="0" smtClean="0"/>
-              <a:t>12/28/2020</a:t>
+              <a:t>12/31/2020</a:t>
             </a:fld>
             <a:endParaRPr lang="en-US" noProof="0" dirty="0"/>
           </a:p>
@@ -4554,7 +4553,7 @@
           <a:p>
             <a:fld id="{39667345-2558-425A-8533-9BFDBCE15005}" type="datetime1">
               <a:rPr lang="en-US" noProof="0" smtClean="0"/>
-              <a:t>12/28/2020</a:t>
+              <a:t>12/31/2020</a:t>
             </a:fld>
             <a:endParaRPr lang="en-US" noProof="0" dirty="0"/>
           </a:p>
@@ -5096,7 +5095,7 @@
           <a:p>
             <a:fld id="{62D6E202-B606-4609-B914-27C9371A1F6D}" type="datetime1">
               <a:rPr lang="en-US" noProof="0" smtClean="0"/>
-              <a:t>12/28/2020</a:t>
+              <a:t>12/31/2020</a:t>
             </a:fld>
             <a:endParaRPr lang="en-US" noProof="0" dirty="0"/>
           </a:p>
@@ -5630,6 +5629,12 @@
               <a:t>Revenue Projection Project</a:t>
             </a:r>
           </a:p>
+          <a:p>
+            <a:r>
+              <a:rPr lang="en-US" dirty="0"/>
+              <a:t>EDA</a:t>
+            </a:r>
+          </a:p>
         </p:txBody>
       </p:sp>
     </p:spTree>
@@ -5909,7 +5914,7 @@
         <p:spPr>
           <a:xfrm>
             <a:off x="1097280" y="1965663"/>
-            <a:ext cx="4417695" cy="2585323"/>
+            <a:ext cx="4417695" cy="3416320"/>
           </a:xfrm>
           <a:prstGeom prst="rect">
             <a:avLst/>
@@ -5964,7 +5969,16 @@
           <a:p>
             <a:r>
               <a:rPr lang="en-ZA" dirty="0"/>
-              <a:t>Action: Remove this data and re-analyse</a:t>
+              <a:t>Action: Discuss this data with domain expert</a:t>
+            </a:r>
+          </a:p>
+          <a:p>
+            <a:endParaRPr lang="en-ZA" dirty="0"/>
+          </a:p>
+          <a:p>
+            <a:r>
+              <a:rPr lang="en-ZA" dirty="0"/>
+              <a:t>Include in overall Revenue Modelling until clarity is obtained</a:t>
             </a:r>
           </a:p>
         </p:txBody>
@@ -6031,10 +6045,10 @@
       </p:grpSpPr>
       <p:sp>
         <p:nvSpPr>
-          <p:cNvPr id="4" name="Title 3">
-            <a:extLst>
-              <a:ext uri="{FF2B5EF4-FFF2-40B4-BE49-F238E27FC236}">
-                <a16:creationId xmlns:a16="http://schemas.microsoft.com/office/drawing/2014/main" id="{7B2E2B1E-4685-4001-99B9-F590C9B2F6B1}"/>
+          <p:cNvPr id="2" name="Title 1">
+            <a:extLst>
+              <a:ext uri="{FF2B5EF4-FFF2-40B4-BE49-F238E27FC236}">
+                <a16:creationId xmlns:a16="http://schemas.microsoft.com/office/drawing/2014/main" id="{21746F5A-97CB-4B09-A5F1-5027991A1A49}"/>
               </a:ext>
             </a:extLst>
           </p:cNvPr>
@@ -6052,32 +6066,90 @@
           <a:p>
             <a:r>
               <a:rPr lang="en-ZA" dirty="0"/>
-              <a:t>The extent of the churn problem</a:t>
-            </a:r>
-          </a:p>
-        </p:txBody>
-      </p:sp>
-      <p:sp>
-        <p:nvSpPr>
-          <p:cNvPr id="13" name="Rectangle 12">
-            <a:extLst>
-              <a:ext uri="{FF2B5EF4-FFF2-40B4-BE49-F238E27FC236}">
-                <a16:creationId xmlns:a16="http://schemas.microsoft.com/office/drawing/2014/main" id="{B85AC4AF-F143-4CDB-9AA0-104964D11B01}"/>
-              </a:ext>
-            </a:extLst>
-          </p:cNvPr>
-          <p:cNvSpPr/>
+              <a:t>Revenue</a:t>
+            </a:r>
+          </a:p>
+        </p:txBody>
+      </p:sp>
+      <p:pic>
+        <p:nvPicPr>
+          <p:cNvPr id="4" name="Picture 3" descr="Chart, line chart&#10;&#10;Description automatically generated">
+            <a:extLst>
+              <a:ext uri="{FF2B5EF4-FFF2-40B4-BE49-F238E27FC236}">
+                <a16:creationId xmlns:a16="http://schemas.microsoft.com/office/drawing/2014/main" id="{E254EC26-9DCC-4EEB-90B5-4D8D62B86F67}"/>
+              </a:ext>
+            </a:extLst>
+          </p:cNvPr>
+          <p:cNvPicPr>
+            <a:picLocks noChangeAspect="1"/>
+          </p:cNvPicPr>
           <p:nvPr/>
-        </p:nvSpPr>
+        </p:nvPicPr>
+        <p:blipFill rotWithShape="1">
+          <a:blip r:embed="rId2"/>
+          <a:srcRect b="60925"/>
+          <a:stretch/>
+        </p:blipFill>
         <p:spPr>
           <a:xfrm>
-            <a:off x="1097280" y="1965663"/>
-            <a:ext cx="4417695" cy="2862322"/>
+            <a:off x="5788303" y="749248"/>
+            <a:ext cx="5521885" cy="2679752"/>
           </a:xfrm>
           <a:prstGeom prst="rect">
             <a:avLst/>
           </a:prstGeom>
         </p:spPr>
+      </p:pic>
+      <p:pic>
+        <p:nvPicPr>
+          <p:cNvPr id="6" name="Picture 5" descr="Chart, line chart&#10;&#10;Description automatically generated">
+            <a:extLst>
+              <a:ext uri="{FF2B5EF4-FFF2-40B4-BE49-F238E27FC236}">
+                <a16:creationId xmlns:a16="http://schemas.microsoft.com/office/drawing/2014/main" id="{F85D5A8C-97A0-4207-820D-AB33CA8A5535}"/>
+              </a:ext>
+            </a:extLst>
+          </p:cNvPr>
+          <p:cNvPicPr>
+            <a:picLocks noChangeAspect="1"/>
+          </p:cNvPicPr>
+          <p:nvPr/>
+        </p:nvPicPr>
+        <p:blipFill rotWithShape="1">
+          <a:blip r:embed="rId3"/>
+          <a:srcRect b="56944"/>
+          <a:stretch/>
+        </p:blipFill>
+        <p:spPr>
+          <a:xfrm>
+            <a:off x="5788303" y="3552929"/>
+            <a:ext cx="5489297" cy="2362200"/>
+          </a:xfrm>
+          <a:prstGeom prst="rect">
+            <a:avLst/>
+          </a:prstGeom>
+        </p:spPr>
+      </p:pic>
+      <p:sp>
+        <p:nvSpPr>
+          <p:cNvPr id="7" name="Rectangle 6">
+            <a:extLst>
+              <a:ext uri="{FF2B5EF4-FFF2-40B4-BE49-F238E27FC236}">
+                <a16:creationId xmlns:a16="http://schemas.microsoft.com/office/drawing/2014/main" id="{142227C6-E673-414D-A894-C9B9BE042AAC}"/>
+              </a:ext>
+            </a:extLst>
+          </p:cNvPr>
+          <p:cNvSpPr/>
+          <p:nvPr/>
+        </p:nvSpPr>
+        <p:spPr>
+          <a:xfrm>
+            <a:off x="1097280" y="1965663"/>
+            <a:ext cx="4417695" cy="2308324"/>
+          </a:xfrm>
+          <a:prstGeom prst="rect">
+            <a:avLst/>
+          </a:prstGeom>
+        </p:spPr>
         <p:txBody>
           <a:bodyPr wrap="square">
             <a:spAutoFit/>
@@ -6086,167 +6158,29 @@
           <a:p>
             <a:r>
               <a:rPr lang="en-ZA" dirty="0"/>
-              <a:t>Looking at the data from Singapore (left) and USA (right) split by subscription type it is clear that:</a:t>
-            </a:r>
-          </a:p>
-          <a:p>
-            <a:pPr marL="285750" indent="-285750">
-              <a:buFont typeface="Arial" panose="020B0604020202020204" pitchFamily="34" charset="0"/>
-              <a:buChar char="•"/>
-            </a:pPr>
+              <a:t>Looking at revenue by month we see a large drop in August and a spike at the end of the year.</a:t>
+            </a:r>
+          </a:p>
+          <a:p>
+            <a:endParaRPr lang="en-ZA" dirty="0"/>
+          </a:p>
+          <a:p>
             <a:r>
               <a:rPr lang="en-ZA" dirty="0"/>
-              <a:t>Singapore has significantly higher churn rate than the USA</a:t>
-            </a:r>
-          </a:p>
-          <a:p>
-            <a:pPr marL="285750" indent="-285750">
-              <a:buFont typeface="Arial" panose="020B0604020202020204" pitchFamily="34" charset="0"/>
-              <a:buChar char="•"/>
-            </a:pPr>
-            <a:r>
-              <a:rPr lang="en-ZA" dirty="0"/>
-              <a:t>Churn is a problem across all subscription types</a:t>
-            </a:r>
-          </a:p>
-          <a:p>
-            <a:pPr marL="285750" indent="-285750">
-              <a:buFont typeface="Arial" panose="020B0604020202020204" pitchFamily="34" charset="0"/>
-              <a:buChar char="•"/>
-            </a:pPr>
-            <a:r>
-              <a:rPr lang="en-ZA" dirty="0"/>
-              <a:t>Churn is particularly a problem on the “Premium” and “Unlimited” plans.</a:t>
-            </a:r>
+              <a:t>Excluding the UK (which dominates the data) this is less pronounced – possibly due to limited operations and customers in these </a:t>
+            </a:r>
+            <a:r>
+              <a:rPr lang="en-ZA"/>
+              <a:t>smaller countries.</a:t>
+            </a:r>
+            <a:endParaRPr lang="en-ZA" dirty="0"/>
           </a:p>
         </p:txBody>
       </p:sp>
     </p:spTree>
     <p:extLst>
       <p:ext uri="{BB962C8B-B14F-4D97-AF65-F5344CB8AC3E}">
-        <p14:creationId xmlns:p14="http://schemas.microsoft.com/office/powerpoint/2010/main" val="481542790"/>
-      </p:ext>
-    </p:extLst>
-  </p:cSld>
-  <p:clrMapOvr>
-    <a:masterClrMapping/>
-  </p:clrMapOvr>
-</p:sld>
-</file>
-
-<file path=ppt/slides/slide5.xml><?xml version="1.0" encoding="utf-8"?>
-<p:sld xmlns:a="http://schemas.openxmlformats.org/drawingml/2006/main" xmlns:r="http://schemas.openxmlformats.org/officeDocument/2006/relationships" xmlns:p="http://schemas.openxmlformats.org/presentationml/2006/main">
-  <p:cSld>
-    <p:spTree>
-      <p:nvGrpSpPr>
-        <p:cNvPr id="1" name=""/>
-        <p:cNvGrpSpPr/>
-        <p:nvPr/>
-      </p:nvGrpSpPr>
-      <p:grpSpPr>
-        <a:xfrm>
-          <a:off x="0" y="0"/>
-          <a:ext cx="0" cy="0"/>
-          <a:chOff x="0" y="0"/>
-          <a:chExt cx="0" cy="0"/>
-        </a:xfrm>
-      </p:grpSpPr>
-      <p:sp>
-        <p:nvSpPr>
-          <p:cNvPr id="4" name="Title 3">
-            <a:extLst>
-              <a:ext uri="{FF2B5EF4-FFF2-40B4-BE49-F238E27FC236}">
-                <a16:creationId xmlns:a16="http://schemas.microsoft.com/office/drawing/2014/main" id="{7B2E2B1E-4685-4001-99B9-F590C9B2F6B1}"/>
-              </a:ext>
-            </a:extLst>
-          </p:cNvPr>
-          <p:cNvSpPr>
-            <a:spLocks noGrp="1"/>
-          </p:cNvSpPr>
-          <p:nvPr>
-            <p:ph type="title"/>
-          </p:nvPr>
-        </p:nvSpPr>
-        <p:spPr/>
-        <p:txBody>
-          <a:bodyPr/>
-          <a:lstStyle/>
-          <a:p>
-            <a:r>
-              <a:rPr lang="en-ZA" dirty="0"/>
-              <a:t>Next STEPS</a:t>
-            </a:r>
-          </a:p>
-        </p:txBody>
-      </p:sp>
-      <p:sp>
-        <p:nvSpPr>
-          <p:cNvPr id="13" name="Rectangle 12">
-            <a:extLst>
-              <a:ext uri="{FF2B5EF4-FFF2-40B4-BE49-F238E27FC236}">
-                <a16:creationId xmlns:a16="http://schemas.microsoft.com/office/drawing/2014/main" id="{B85AC4AF-F143-4CDB-9AA0-104964D11B01}"/>
-              </a:ext>
-            </a:extLst>
-          </p:cNvPr>
-          <p:cNvSpPr/>
-          <p:nvPr/>
-        </p:nvSpPr>
-        <p:spPr>
-          <a:xfrm>
-            <a:off x="1097280" y="1965663"/>
-            <a:ext cx="4417695" cy="2308324"/>
-          </a:xfrm>
-          <a:prstGeom prst="rect">
-            <a:avLst/>
-          </a:prstGeom>
-        </p:spPr>
-        <p:txBody>
-          <a:bodyPr wrap="square">
-            <a:spAutoFit/>
-          </a:bodyPr>
-          <a:lstStyle/>
-          <a:p>
-            <a:r>
-              <a:rPr lang="en-ZA" dirty="0"/>
-              <a:t>Identify the root causes of subscriber churn in Singapore</a:t>
-            </a:r>
-          </a:p>
-          <a:p>
-            <a:pPr marL="285750" indent="-285750">
-              <a:buFont typeface="Arial" panose="020B0604020202020204" pitchFamily="34" charset="0"/>
-              <a:buChar char="•"/>
-            </a:pPr>
-            <a:r>
-              <a:rPr lang="en-ZA" dirty="0"/>
-              <a:t>Further data analysis to identify primary causes</a:t>
-            </a:r>
-          </a:p>
-          <a:p>
-            <a:pPr marL="285750" indent="-285750">
-              <a:buFont typeface="Arial" panose="020B0604020202020204" pitchFamily="34" charset="0"/>
-              <a:buChar char="•"/>
-            </a:pPr>
-            <a:r>
-              <a:rPr lang="en-ZA" dirty="0"/>
-              <a:t>Predictive model to identify potential churners</a:t>
-            </a:r>
-          </a:p>
-          <a:p>
-            <a:pPr marL="285750" indent="-285750">
-              <a:buFont typeface="Arial" panose="020B0604020202020204" pitchFamily="34" charset="0"/>
-              <a:buChar char="•"/>
-            </a:pPr>
-            <a:r>
-              <a:rPr lang="en-ZA" dirty="0"/>
-              <a:t>Remedial actions to satisfy those consumers</a:t>
-            </a:r>
-          </a:p>
-        </p:txBody>
-      </p:sp>
-    </p:spTree>
-    <p:extLst>
-      <p:ext uri="{BB962C8B-B14F-4D97-AF65-F5344CB8AC3E}">
-        <p14:creationId xmlns:p14="http://schemas.microsoft.com/office/powerpoint/2010/main" val="483989654"/>
+        <p14:creationId xmlns:p14="http://schemas.microsoft.com/office/powerpoint/2010/main" val="539612604"/>
       </p:ext>
     </p:extLst>
   </p:cSld>
